--- a/CST407FinalPP.pptx
+++ b/CST407FinalPP.pptx
@@ -14,11 +14,14 @@
     <p:sldId id="262" r:id="rId8"/>
     <p:sldId id="266" r:id="rId9"/>
     <p:sldId id="263" r:id="rId10"/>
-    <p:sldId id="267" r:id="rId11"/>
-    <p:sldId id="264" r:id="rId12"/>
-    <p:sldId id="265" r:id="rId13"/>
-    <p:sldId id="268" r:id="rId14"/>
-    <p:sldId id="269" r:id="rId15"/>
+    <p:sldId id="264" r:id="rId11"/>
+    <p:sldId id="265" r:id="rId12"/>
+    <p:sldId id="270" r:id="rId13"/>
+    <p:sldId id="271" r:id="rId14"/>
+    <p:sldId id="272" r:id="rId15"/>
+    <p:sldId id="267" r:id="rId16"/>
+    <p:sldId id="268" r:id="rId17"/>
+    <p:sldId id="269" r:id="rId18"/>
   </p:sldIdLst>
   <p:sldSz cx="12192000" cy="6858000"/>
   <p:notesSz cx="6858000" cy="9144000"/>
@@ -117,6 +120,11 @@
       </a:defRPr>
     </a:lvl9pPr>
   </p:defaultTextStyle>
+  <p:extLst>
+    <p:ext uri="{EFAFB233-063F-42B5-8137-9DF3F51BA10A}">
+      <p15:sldGuideLst xmlns:p15="http://schemas.microsoft.com/office/powerpoint/2012/main"/>
+    </p:ext>
+  </p:extLst>
 </p:presentation>
 </file>
 
@@ -312,7 +320,7 @@
             <a:fld id="{B61BEF0D-F0BB-DE4B-95CE-6DB70DBA9567}" type="datetimeFigureOut">
               <a:rPr lang="en-US" dirty="0"/>
               <a:pPr/>
-              <a:t>3/12/2018</a:t>
+              <a:t>3/14/2018</a:t>
             </a:fld>
             <a:endParaRPr lang="en-US" dirty="0"/>
           </a:p>
@@ -745,7 +753,7 @@
             <a:fld id="{B61BEF0D-F0BB-DE4B-95CE-6DB70DBA9567}" type="datetimeFigureOut">
               <a:rPr lang="en-US" dirty="0"/>
               <a:pPr/>
-              <a:t>3/12/2018</a:t>
+              <a:t>3/14/2018</a:t>
             </a:fld>
             <a:endParaRPr lang="en-US" dirty="0"/>
           </a:p>
@@ -992,7 +1000,7 @@
             <a:fld id="{B61BEF0D-F0BB-DE4B-95CE-6DB70DBA9567}" type="datetimeFigureOut">
               <a:rPr lang="en-US" dirty="0"/>
               <a:pPr/>
-              <a:t>3/12/2018</a:t>
+              <a:t>3/14/2018</a:t>
             </a:fld>
             <a:endParaRPr lang="en-US" dirty="0"/>
           </a:p>
@@ -1297,7 +1305,7 @@
             <a:fld id="{B61BEF0D-F0BB-DE4B-95CE-6DB70DBA9567}" type="datetimeFigureOut">
               <a:rPr lang="en-US" dirty="0"/>
               <a:pPr/>
-              <a:t>3/12/2018</a:t>
+              <a:t>3/14/2018</a:t>
             </a:fld>
             <a:endParaRPr lang="en-US" dirty="0"/>
           </a:p>
@@ -1612,7 +1620,7 @@
             <a:fld id="{B61BEF0D-F0BB-DE4B-95CE-6DB70DBA9567}" type="datetimeFigureOut">
               <a:rPr lang="en-US" dirty="0"/>
               <a:pPr/>
-              <a:t>3/12/2018</a:t>
+              <a:t>3/14/2018</a:t>
             </a:fld>
             <a:endParaRPr lang="en-US" dirty="0"/>
           </a:p>
@@ -1911,7 +1919,7 @@
             <a:fld id="{B61BEF0D-F0BB-DE4B-95CE-6DB70DBA9567}" type="datetimeFigureOut">
               <a:rPr lang="en-US" dirty="0"/>
               <a:pPr/>
-              <a:t>3/12/2018</a:t>
+              <a:t>3/14/2018</a:t>
             </a:fld>
             <a:endParaRPr lang="en-US" dirty="0"/>
           </a:p>
@@ -2275,7 +2283,7 @@
             <a:fld id="{B61BEF0D-F0BB-DE4B-95CE-6DB70DBA9567}" type="datetimeFigureOut">
               <a:rPr lang="en-US" dirty="0"/>
               <a:pPr/>
-              <a:t>3/12/2018</a:t>
+              <a:t>3/14/2018</a:t>
             </a:fld>
             <a:endParaRPr lang="en-US" dirty="0"/>
           </a:p>
@@ -2446,7 +2454,7 @@
             <a:fld id="{B61BEF0D-F0BB-DE4B-95CE-6DB70DBA9567}" type="datetimeFigureOut">
               <a:rPr lang="en-US" dirty="0"/>
               <a:pPr/>
-              <a:t>3/12/2018</a:t>
+              <a:t>3/14/2018</a:t>
             </a:fld>
             <a:endParaRPr lang="en-US" dirty="0"/>
           </a:p>
@@ -2623,7 +2631,7 @@
             <a:fld id="{B61BEF0D-F0BB-DE4B-95CE-6DB70DBA9567}" type="datetimeFigureOut">
               <a:rPr lang="en-US" dirty="0"/>
               <a:pPr/>
-              <a:t>3/12/2018</a:t>
+              <a:t>3/14/2018</a:t>
             </a:fld>
             <a:endParaRPr lang="en-US" dirty="0"/>
           </a:p>
@@ -2790,7 +2798,7 @@
             <a:fld id="{B61BEF0D-F0BB-DE4B-95CE-6DB70DBA9567}" type="datetimeFigureOut">
               <a:rPr lang="en-US" dirty="0"/>
               <a:pPr/>
-              <a:t>3/12/2018</a:t>
+              <a:t>3/14/2018</a:t>
             </a:fld>
             <a:endParaRPr lang="en-US" dirty="0"/>
           </a:p>
@@ -3037,7 +3045,7 @@
             <a:fld id="{B61BEF0D-F0BB-DE4B-95CE-6DB70DBA9567}" type="datetimeFigureOut">
               <a:rPr lang="en-US" dirty="0"/>
               <a:pPr/>
-              <a:t>3/12/2018</a:t>
+              <a:t>3/14/2018</a:t>
             </a:fld>
             <a:endParaRPr lang="en-US" dirty="0"/>
           </a:p>
@@ -3270,7 +3278,7 @@
             <a:fld id="{B61BEF0D-F0BB-DE4B-95CE-6DB70DBA9567}" type="datetimeFigureOut">
               <a:rPr lang="en-US" dirty="0"/>
               <a:pPr/>
-              <a:t>3/12/2018</a:t>
+              <a:t>3/14/2018</a:t>
             </a:fld>
             <a:endParaRPr lang="en-US" dirty="0"/>
           </a:p>
@@ -3649,7 +3657,7 @@
             <a:fld id="{B61BEF0D-F0BB-DE4B-95CE-6DB70DBA9567}" type="datetimeFigureOut">
               <a:rPr lang="en-US" dirty="0"/>
               <a:pPr/>
-              <a:t>3/12/2018</a:t>
+              <a:t>3/14/2018</a:t>
             </a:fld>
             <a:endParaRPr lang="en-US" dirty="0"/>
           </a:p>
@@ -3764,7 +3772,7 @@
             <a:fld id="{B61BEF0D-F0BB-DE4B-95CE-6DB70DBA9567}" type="datetimeFigureOut">
               <a:rPr lang="en-US" dirty="0"/>
               <a:pPr/>
-              <a:t>3/12/2018</a:t>
+              <a:t>3/14/2018</a:t>
             </a:fld>
             <a:endParaRPr lang="en-US" dirty="0"/>
           </a:p>
@@ -3856,7 +3864,7 @@
             <a:fld id="{B61BEF0D-F0BB-DE4B-95CE-6DB70DBA9567}" type="datetimeFigureOut">
               <a:rPr lang="en-US" dirty="0"/>
               <a:pPr/>
-              <a:t>3/12/2018</a:t>
+              <a:t>3/14/2018</a:t>
             </a:fld>
             <a:endParaRPr lang="en-US" dirty="0"/>
           </a:p>
@@ -4108,7 +4116,7 @@
             <a:fld id="{B61BEF0D-F0BB-DE4B-95CE-6DB70DBA9567}" type="datetimeFigureOut">
               <a:rPr lang="en-US" dirty="0"/>
               <a:pPr/>
-              <a:t>3/12/2018</a:t>
+              <a:t>3/14/2018</a:t>
             </a:fld>
             <a:endParaRPr lang="en-US" dirty="0"/>
           </a:p>
@@ -4388,7 +4396,7 @@
             <a:fld id="{B61BEF0D-F0BB-DE4B-95CE-6DB70DBA9567}" type="datetimeFigureOut">
               <a:rPr lang="en-US" dirty="0"/>
               <a:pPr/>
-              <a:t>3/12/2018</a:t>
+              <a:t>3/14/2018</a:t>
             </a:fld>
             <a:endParaRPr lang="en-US" dirty="0"/>
           </a:p>
@@ -4791,7 +4799,7 @@
             <a:fld id="{B61BEF0D-F0BB-DE4B-95CE-6DB70DBA9567}" type="datetimeFigureOut">
               <a:rPr lang="en-US" dirty="0"/>
               <a:pPr/>
-              <a:t>3/12/2018</a:t>
+              <a:t>3/14/2018</a:t>
             </a:fld>
             <a:endParaRPr lang="en-US" dirty="0"/>
           </a:p>
@@ -5433,49 +5441,81 @@
           <a:p>
             <a:r>
               <a:rPr lang="en-US" dirty="0"/>
-              <a:t>Decryption example</a:t>
-            </a:r>
-          </a:p>
-        </p:txBody>
-      </p:sp>
-      <p:sp>
-        <p:nvSpPr>
-          <p:cNvPr id="3" name="Content Placeholder 2">
+              <a:t>Inverse matrix</a:t>
+            </a:r>
+          </a:p>
+        </p:txBody>
+      </p:sp>
+      <p:pic>
+        <p:nvPicPr>
+          <p:cNvPr id="4" name="Content Placeholder 3">
             <a:extLst>
               <a:ext uri="{FF2B5EF4-FFF2-40B4-BE49-F238E27FC236}">
-                <a16:creationId xmlns:a16="http://schemas.microsoft.com/office/drawing/2014/main" id="{8CC66705-E4F8-4E0B-B037-AEC60EE36AC8}"/>
+                <a16:creationId xmlns:a16="http://schemas.microsoft.com/office/drawing/2014/main" id="{BE98A00C-7971-4E03-8A2F-A5F4EA84B76B}"/>
               </a:ext>
             </a:extLst>
           </p:cNvPr>
-          <p:cNvSpPr>
-            <a:spLocks noGrp="1"/>
-          </p:cNvSpPr>
+          <p:cNvPicPr>
+            <a:picLocks noGrp="1" noChangeAspect="1"/>
+          </p:cNvPicPr>
           <p:nvPr>
             <p:ph idx="1"/>
           </p:nvPr>
-        </p:nvSpPr>
-        <p:spPr>
-          <a:xfrm>
-            <a:off x="684212" y="2296486"/>
-            <a:ext cx="8534400" cy="3615267"/>
-          </a:xfrm>
-        </p:spPr>
-        <p:txBody>
-          <a:bodyPr/>
-          <a:lstStyle/>
-          <a:p>
-            <a:endParaRPr lang="en-US" dirty="0">
-              <a:solidFill>
-                <a:schemeClr val="tx1"/>
-              </a:solidFill>
-            </a:endParaRPr>
+        </p:nvPicPr>
+        <p:blipFill>
+          <a:blip r:embed="rId2"/>
+          <a:stretch>
+            <a:fillRect/>
+          </a:stretch>
+        </p:blipFill>
+        <p:spPr>
+          <a:xfrm>
+            <a:off x="672138" y="2034795"/>
+            <a:ext cx="3133725" cy="514350"/>
+          </a:xfrm>
+          <a:prstGeom prst="rect">
+            <a:avLst/>
+          </a:prstGeom>
+        </p:spPr>
+      </p:pic>
+      <p:sp>
+        <p:nvSpPr>
+          <p:cNvPr id="5" name="Rectangle 4">
+            <a:extLst>
+              <a:ext uri="{FF2B5EF4-FFF2-40B4-BE49-F238E27FC236}">
+                <a16:creationId xmlns:a16="http://schemas.microsoft.com/office/drawing/2014/main" id="{B22C136C-0FC3-4B6B-BEB1-5881805F8967}"/>
+              </a:ext>
+            </a:extLst>
+          </p:cNvPr>
+          <p:cNvSpPr/>
+          <p:nvPr/>
+        </p:nvSpPr>
+        <p:spPr>
+          <a:xfrm>
+            <a:off x="672138" y="3059668"/>
+            <a:ext cx="5112297" cy="369332"/>
+          </a:xfrm>
+          <a:prstGeom prst="rect">
+            <a:avLst/>
+          </a:prstGeom>
+        </p:spPr>
+        <p:txBody>
+          <a:bodyPr wrap="none">
+            <a:spAutoFit/>
+          </a:bodyPr>
+          <a:lstStyle/>
+          <a:p>
+            <a:r>
+              <a:rPr lang="en-US" dirty="0"/>
+              <a:t>Function to calculate the inverse key matrix.</a:t>
+            </a:r>
           </a:p>
         </p:txBody>
       </p:sp>
     </p:spTree>
     <p:extLst>
       <p:ext uri="{BB962C8B-B14F-4D97-AF65-F5344CB8AC3E}">
-        <p14:creationId xmlns:p14="http://schemas.microsoft.com/office/powerpoint/2010/main" val="935599262"/>
+        <p14:creationId xmlns:p14="http://schemas.microsoft.com/office/powerpoint/2010/main" val="713861433"/>
       </p:ext>
     </p:extLst>
   </p:cSld>
@@ -5530,49 +5570,111 @@
           <a:p>
             <a:r>
               <a:rPr lang="en-US" dirty="0"/>
-              <a:t>Inverse matrix</a:t>
-            </a:r>
-          </a:p>
-        </p:txBody>
-      </p:sp>
-      <p:sp>
-        <p:nvSpPr>
-          <p:cNvPr id="3" name="Content Placeholder 2">
+              <a:t>Finding the inverse matrix</a:t>
+            </a:r>
+          </a:p>
+        </p:txBody>
+      </p:sp>
+      <p:pic>
+        <p:nvPicPr>
+          <p:cNvPr id="4" name="Content Placeholder 3">
             <a:extLst>
               <a:ext uri="{FF2B5EF4-FFF2-40B4-BE49-F238E27FC236}">
-                <a16:creationId xmlns:a16="http://schemas.microsoft.com/office/drawing/2014/main" id="{8CC66705-E4F8-4E0B-B037-AEC60EE36AC8}"/>
+                <a16:creationId xmlns:a16="http://schemas.microsoft.com/office/drawing/2014/main" id="{F3533E0E-24F7-494A-B2BB-3A144F6E2117}"/>
               </a:ext>
             </a:extLst>
           </p:cNvPr>
-          <p:cNvSpPr>
-            <a:spLocks noGrp="1"/>
-          </p:cNvSpPr>
+          <p:cNvPicPr>
+            <a:picLocks noGrp="1" noChangeAspect="1"/>
+          </p:cNvPicPr>
           <p:nvPr>
             <p:ph idx="1"/>
           </p:nvPr>
-        </p:nvSpPr>
-        <p:spPr>
-          <a:xfrm>
-            <a:off x="684212" y="2296486"/>
-            <a:ext cx="8534400" cy="3615267"/>
-          </a:xfrm>
-        </p:spPr>
-        <p:txBody>
-          <a:bodyPr/>
-          <a:lstStyle/>
-          <a:p>
-            <a:endParaRPr lang="en-US" dirty="0">
-              <a:solidFill>
-                <a:schemeClr val="tx1"/>
-              </a:solidFill>
-            </a:endParaRPr>
-          </a:p>
-        </p:txBody>
-      </p:sp>
+        </p:nvPicPr>
+        <p:blipFill>
+          <a:blip r:embed="rId2"/>
+          <a:stretch>
+            <a:fillRect/>
+          </a:stretch>
+        </p:blipFill>
+        <p:spPr>
+          <a:xfrm>
+            <a:off x="672138" y="2034795"/>
+            <a:ext cx="2762250" cy="790575"/>
+          </a:xfrm>
+          <a:prstGeom prst="rect">
+            <a:avLst/>
+          </a:prstGeom>
+        </p:spPr>
+      </p:pic>
+      <p:sp>
+        <p:nvSpPr>
+          <p:cNvPr id="5" name="Rectangle 4">
+            <a:extLst>
+              <a:ext uri="{FF2B5EF4-FFF2-40B4-BE49-F238E27FC236}">
+                <a16:creationId xmlns:a16="http://schemas.microsoft.com/office/drawing/2014/main" id="{26CD150D-B00E-4DD3-AFC6-C771B059436B}"/>
+              </a:ext>
+            </a:extLst>
+          </p:cNvPr>
+          <p:cNvSpPr/>
+          <p:nvPr/>
+        </p:nvSpPr>
+        <p:spPr>
+          <a:xfrm>
+            <a:off x="672138" y="3105834"/>
+            <a:ext cx="6096000" cy="646331"/>
+          </a:xfrm>
+          <a:prstGeom prst="rect">
+            <a:avLst/>
+          </a:prstGeom>
+        </p:spPr>
+        <p:txBody>
+          <a:bodyPr>
+            <a:spAutoFit/>
+          </a:bodyPr>
+          <a:lstStyle/>
+          <a:p>
+            <a:r>
+              <a:rPr lang="en-US" dirty="0"/>
+              <a:t>Function to calculate the determinant of a 2 x 2 matrix.</a:t>
+            </a:r>
+          </a:p>
+        </p:txBody>
+      </p:sp>
+      <p:pic>
+        <p:nvPicPr>
+          <p:cNvPr id="6" name="Picture 5">
+            <a:extLst>
+              <a:ext uri="{FF2B5EF4-FFF2-40B4-BE49-F238E27FC236}">
+                <a16:creationId xmlns:a16="http://schemas.microsoft.com/office/drawing/2014/main" id="{220A738C-2F10-4E04-959F-8A4A92DB4930}"/>
+              </a:ext>
+            </a:extLst>
+          </p:cNvPr>
+          <p:cNvPicPr>
+            <a:picLocks noChangeAspect="1"/>
+          </p:cNvPicPr>
+          <p:nvPr/>
+        </p:nvPicPr>
+        <p:blipFill>
+          <a:blip r:embed="rId3"/>
+          <a:stretch>
+            <a:fillRect/>
+          </a:stretch>
+        </p:blipFill>
+        <p:spPr>
+          <a:xfrm>
+            <a:off x="672138" y="4060680"/>
+            <a:ext cx="7229475" cy="819150"/>
+          </a:xfrm>
+          <a:prstGeom prst="rect">
+            <a:avLst/>
+          </a:prstGeom>
+        </p:spPr>
+      </p:pic>
     </p:spTree>
     <p:extLst>
       <p:ext uri="{BB962C8B-B14F-4D97-AF65-F5344CB8AC3E}">
-        <p14:creationId xmlns:p14="http://schemas.microsoft.com/office/powerpoint/2010/main" val="713861433"/>
+        <p14:creationId xmlns:p14="http://schemas.microsoft.com/office/powerpoint/2010/main" val="3906109902"/>
       </p:ext>
     </p:extLst>
   </p:cSld>
@@ -5649,15 +5751,20 @@
           </p:nvPr>
         </p:nvSpPr>
         <p:spPr>
-          <a:xfrm>
-            <a:off x="684212" y="2296486"/>
-            <a:ext cx="8534400" cy="3615267"/>
-          </a:xfrm>
-        </p:spPr>
-        <p:txBody>
-          <a:bodyPr/>
-          <a:lstStyle/>
-          <a:p>
+          <a:xfrm flipV="1">
+            <a:off x="10893614" y="5718806"/>
+            <a:ext cx="448302" cy="77986"/>
+          </a:xfrm>
+        </p:spPr>
+        <p:txBody>
+          <a:bodyPr>
+            <a:normAutofit fontScale="25000" lnSpcReduction="20000"/>
+          </a:bodyPr>
+          <a:lstStyle/>
+          <a:p>
+            <a:pPr marL="0" indent="0">
+              <a:buNone/>
+            </a:pPr>
             <a:endParaRPr lang="en-US" dirty="0">
               <a:solidFill>
                 <a:schemeClr val="tx1"/>
@@ -5666,10 +5773,202 @@
           </a:p>
         </p:txBody>
       </p:sp>
+      <p:pic>
+        <p:nvPicPr>
+          <p:cNvPr id="4" name="Picture 3">
+            <a:extLst>
+              <a:ext uri="{FF2B5EF4-FFF2-40B4-BE49-F238E27FC236}">
+                <a16:creationId xmlns:a16="http://schemas.microsoft.com/office/drawing/2014/main" id="{E76A0946-3255-4E9E-A783-659E9B7453A4}"/>
+              </a:ext>
+            </a:extLst>
+          </p:cNvPr>
+          <p:cNvPicPr>
+            <a:picLocks noChangeAspect="1"/>
+          </p:cNvPicPr>
+          <p:nvPr/>
+        </p:nvPicPr>
+        <p:blipFill>
+          <a:blip r:embed="rId2"/>
+          <a:stretch>
+            <a:fillRect/>
+          </a:stretch>
+        </p:blipFill>
+        <p:spPr>
+          <a:xfrm>
+            <a:off x="684212" y="2063123"/>
+            <a:ext cx="2752725" cy="466725"/>
+          </a:xfrm>
+          <a:prstGeom prst="rect">
+            <a:avLst/>
+          </a:prstGeom>
+        </p:spPr>
+      </p:pic>
+      <p:sp>
+        <p:nvSpPr>
+          <p:cNvPr id="5" name="Rectangle 4">
+            <a:extLst>
+              <a:ext uri="{FF2B5EF4-FFF2-40B4-BE49-F238E27FC236}">
+                <a16:creationId xmlns:a16="http://schemas.microsoft.com/office/drawing/2014/main" id="{C6C649E3-55B4-45EA-B3EB-65054255528F}"/>
+              </a:ext>
+            </a:extLst>
+          </p:cNvPr>
+          <p:cNvSpPr/>
+          <p:nvPr/>
+        </p:nvSpPr>
+        <p:spPr>
+          <a:xfrm>
+            <a:off x="672138" y="2782669"/>
+            <a:ext cx="6096000" cy="646331"/>
+          </a:xfrm>
+          <a:prstGeom prst="rect">
+            <a:avLst/>
+          </a:prstGeom>
+        </p:spPr>
+        <p:txBody>
+          <a:bodyPr>
+            <a:spAutoFit/>
+          </a:bodyPr>
+          <a:lstStyle/>
+          <a:p>
+            <a:r>
+              <a:rPr lang="en-US" dirty="0"/>
+              <a:t>If d is the determinant, then we are looking for the inverse of d.</a:t>
+            </a:r>
+          </a:p>
+        </p:txBody>
+      </p:sp>
+      <p:pic>
+        <p:nvPicPr>
+          <p:cNvPr id="6" name="Picture 5">
+            <a:extLst>
+              <a:ext uri="{FF2B5EF4-FFF2-40B4-BE49-F238E27FC236}">
+                <a16:creationId xmlns:a16="http://schemas.microsoft.com/office/drawing/2014/main" id="{2FE90B60-DB13-4C89-97A3-646EC33CE793}"/>
+              </a:ext>
+            </a:extLst>
+          </p:cNvPr>
+          <p:cNvPicPr>
+            <a:picLocks noChangeAspect="1"/>
+          </p:cNvPicPr>
+          <p:nvPr/>
+        </p:nvPicPr>
+        <p:blipFill>
+          <a:blip r:embed="rId3"/>
+          <a:stretch>
+            <a:fillRect/>
+          </a:stretch>
+        </p:blipFill>
+        <p:spPr>
+          <a:xfrm>
+            <a:off x="684212" y="3547387"/>
+            <a:ext cx="2895600" cy="447675"/>
+          </a:xfrm>
+          <a:prstGeom prst="rect">
+            <a:avLst/>
+          </a:prstGeom>
+        </p:spPr>
+      </p:pic>
+      <p:sp>
+        <p:nvSpPr>
+          <p:cNvPr id="7" name="Rectangle 6">
+            <a:extLst>
+              <a:ext uri="{FF2B5EF4-FFF2-40B4-BE49-F238E27FC236}">
+                <a16:creationId xmlns:a16="http://schemas.microsoft.com/office/drawing/2014/main" id="{4C6DD3C2-9A14-4725-A666-309433BAA1D9}"/>
+              </a:ext>
+            </a:extLst>
+          </p:cNvPr>
+          <p:cNvSpPr/>
+          <p:nvPr/>
+        </p:nvSpPr>
+        <p:spPr>
+          <a:xfrm>
+            <a:off x="684212" y="4178782"/>
+            <a:ext cx="6096000" cy="646331"/>
+          </a:xfrm>
+          <a:prstGeom prst="rect">
+            <a:avLst/>
+          </a:prstGeom>
+        </p:spPr>
+        <p:txBody>
+          <a:bodyPr>
+            <a:spAutoFit/>
+          </a:bodyPr>
+          <a:lstStyle/>
+          <a:p>
+            <a:r>
+              <a:rPr lang="en-US" dirty="0"/>
+              <a:t>The multiplicative inverse is the number we multiply 15 by to get 1 modulo 26.</a:t>
+            </a:r>
+          </a:p>
+        </p:txBody>
+      </p:sp>
+      <p:pic>
+        <p:nvPicPr>
+          <p:cNvPr id="8" name="Picture 7">
+            <a:extLst>
+              <a:ext uri="{FF2B5EF4-FFF2-40B4-BE49-F238E27FC236}">
+                <a16:creationId xmlns:a16="http://schemas.microsoft.com/office/drawing/2014/main" id="{01C23D01-B95D-48A7-A554-4EAA0CA309A4}"/>
+              </a:ext>
+            </a:extLst>
+          </p:cNvPr>
+          <p:cNvPicPr>
+            <a:picLocks noChangeAspect="1"/>
+          </p:cNvPicPr>
+          <p:nvPr/>
+        </p:nvPicPr>
+        <p:blipFill>
+          <a:blip r:embed="rId4"/>
+          <a:stretch>
+            <a:fillRect/>
+          </a:stretch>
+        </p:blipFill>
+        <p:spPr>
+          <a:xfrm>
+            <a:off x="684212" y="4956402"/>
+            <a:ext cx="3848100" cy="504825"/>
+          </a:xfrm>
+          <a:prstGeom prst="rect">
+            <a:avLst/>
+          </a:prstGeom>
+        </p:spPr>
+      </p:pic>
+      <p:sp>
+        <p:nvSpPr>
+          <p:cNvPr id="9" name="Rectangle 8">
+            <a:extLst>
+              <a:ext uri="{FF2B5EF4-FFF2-40B4-BE49-F238E27FC236}">
+                <a16:creationId xmlns:a16="http://schemas.microsoft.com/office/drawing/2014/main" id="{4B431061-3101-40FF-8F39-E3FB47228752}"/>
+              </a:ext>
+            </a:extLst>
+          </p:cNvPr>
+          <p:cNvSpPr/>
+          <p:nvPr/>
+        </p:nvSpPr>
+        <p:spPr>
+          <a:xfrm>
+            <a:off x="672138" y="5612126"/>
+            <a:ext cx="5835252" cy="369332"/>
+          </a:xfrm>
+          <a:prstGeom prst="rect">
+            <a:avLst/>
+          </a:prstGeom>
+        </p:spPr>
+        <p:txBody>
+          <a:bodyPr wrap="none">
+            <a:spAutoFit/>
+          </a:bodyPr>
+          <a:lstStyle/>
+          <a:p>
+            <a:r>
+              <a:rPr lang="en-US" dirty="0"/>
+              <a:t>This calculation gives us an answer of 1 modulo 26.</a:t>
+            </a:r>
+          </a:p>
+        </p:txBody>
+      </p:sp>
     </p:spTree>
     <p:extLst>
       <p:ext uri="{BB962C8B-B14F-4D97-AF65-F5344CB8AC3E}">
-        <p14:creationId xmlns:p14="http://schemas.microsoft.com/office/powerpoint/2010/main" val="3906109902"/>
+        <p14:creationId xmlns:p14="http://schemas.microsoft.com/office/powerpoint/2010/main" val="505055807"/>
       </p:ext>
     </p:extLst>
   </p:cSld>
@@ -5724,6 +6023,607 @@
           <a:p>
             <a:r>
               <a:rPr lang="en-US" dirty="0"/>
+              <a:t>Finding the inverse matrix</a:t>
+            </a:r>
+          </a:p>
+        </p:txBody>
+      </p:sp>
+      <p:sp>
+        <p:nvSpPr>
+          <p:cNvPr id="3" name="Content Placeholder 2">
+            <a:extLst>
+              <a:ext uri="{FF2B5EF4-FFF2-40B4-BE49-F238E27FC236}">
+                <a16:creationId xmlns:a16="http://schemas.microsoft.com/office/drawing/2014/main" id="{8CC66705-E4F8-4E0B-B037-AEC60EE36AC8}"/>
+              </a:ext>
+            </a:extLst>
+          </p:cNvPr>
+          <p:cNvSpPr>
+            <a:spLocks noGrp="1"/>
+          </p:cNvSpPr>
+          <p:nvPr>
+            <p:ph idx="1"/>
+          </p:nvPr>
+        </p:nvSpPr>
+        <p:spPr>
+          <a:xfrm flipH="1">
+            <a:off x="10535683" y="2296486"/>
+            <a:ext cx="168669" cy="438150"/>
+          </a:xfrm>
+        </p:spPr>
+        <p:txBody>
+          <a:bodyPr/>
+          <a:lstStyle/>
+          <a:p>
+            <a:endParaRPr lang="en-US" dirty="0">
+              <a:solidFill>
+                <a:schemeClr val="tx1"/>
+              </a:solidFill>
+            </a:endParaRPr>
+          </a:p>
+        </p:txBody>
+      </p:sp>
+      <p:pic>
+        <p:nvPicPr>
+          <p:cNvPr id="4" name="Picture 3">
+            <a:extLst>
+              <a:ext uri="{FF2B5EF4-FFF2-40B4-BE49-F238E27FC236}">
+                <a16:creationId xmlns:a16="http://schemas.microsoft.com/office/drawing/2014/main" id="{5CFC28B0-12F5-48F1-8680-2AF7F623D225}"/>
+              </a:ext>
+            </a:extLst>
+          </p:cNvPr>
+          <p:cNvPicPr>
+            <a:picLocks noChangeAspect="1"/>
+          </p:cNvPicPr>
+          <p:nvPr/>
+        </p:nvPicPr>
+        <p:blipFill>
+          <a:blip r:embed="rId2"/>
+          <a:stretch>
+            <a:fillRect/>
+          </a:stretch>
+        </p:blipFill>
+        <p:spPr>
+          <a:xfrm>
+            <a:off x="672138" y="1858336"/>
+            <a:ext cx="3714750" cy="876300"/>
+          </a:xfrm>
+          <a:prstGeom prst="rect">
+            <a:avLst/>
+          </a:prstGeom>
+        </p:spPr>
+      </p:pic>
+      <p:sp>
+        <p:nvSpPr>
+          <p:cNvPr id="5" name="Rectangle 4">
+            <a:extLst>
+              <a:ext uri="{FF2B5EF4-FFF2-40B4-BE49-F238E27FC236}">
+                <a16:creationId xmlns:a16="http://schemas.microsoft.com/office/drawing/2014/main" id="{572F093F-8E03-4202-B5ED-78611966C9ED}"/>
+              </a:ext>
+            </a:extLst>
+          </p:cNvPr>
+          <p:cNvSpPr/>
+          <p:nvPr/>
+        </p:nvSpPr>
+        <p:spPr>
+          <a:xfrm>
+            <a:off x="672138" y="3059668"/>
+            <a:ext cx="4299575" cy="369332"/>
+          </a:xfrm>
+          <a:prstGeom prst="rect">
+            <a:avLst/>
+          </a:prstGeom>
+        </p:spPr>
+        <p:txBody>
+          <a:bodyPr wrap="none">
+            <a:spAutoFit/>
+          </a:bodyPr>
+          <a:lstStyle/>
+          <a:p>
+            <a:r>
+              <a:rPr lang="en-US" dirty="0"/>
+              <a:t>The </a:t>
+            </a:r>
+            <a:r>
+              <a:rPr lang="en-US" dirty="0" err="1"/>
+              <a:t>adjugate</a:t>
+            </a:r>
+            <a:r>
+              <a:rPr lang="en-US" dirty="0"/>
+              <a:t> matrix of a 2 x 2 matrix.</a:t>
+            </a:r>
+          </a:p>
+        </p:txBody>
+      </p:sp>
+      <p:sp>
+        <p:nvSpPr>
+          <p:cNvPr id="6" name="Rectangle 5">
+            <a:extLst>
+              <a:ext uri="{FF2B5EF4-FFF2-40B4-BE49-F238E27FC236}">
+                <a16:creationId xmlns:a16="http://schemas.microsoft.com/office/drawing/2014/main" id="{A19EA744-08E0-4FE1-93DA-825751894BC4}"/>
+              </a:ext>
+            </a:extLst>
+          </p:cNvPr>
+          <p:cNvSpPr/>
+          <p:nvPr/>
+        </p:nvSpPr>
+        <p:spPr>
+          <a:xfrm>
+            <a:off x="672138" y="3587958"/>
+            <a:ext cx="6096000" cy="1477328"/>
+          </a:xfrm>
+          <a:prstGeom prst="rect">
+            <a:avLst/>
+          </a:prstGeom>
+        </p:spPr>
+        <p:txBody>
+          <a:bodyPr>
+            <a:spAutoFit/>
+          </a:bodyPr>
+          <a:lstStyle/>
+          <a:p>
+            <a:r>
+              <a:rPr lang="en-US" dirty="0"/>
+              <a:t>Again, once we have these values we will need to take each of them modulo 26 (in particular, we need to add 26 to the negative values to get a number between 0 and 25. For our example we get the matrix below.</a:t>
+            </a:r>
+          </a:p>
+        </p:txBody>
+      </p:sp>
+      <p:pic>
+        <p:nvPicPr>
+          <p:cNvPr id="7" name="Picture 6">
+            <a:extLst>
+              <a:ext uri="{FF2B5EF4-FFF2-40B4-BE49-F238E27FC236}">
+                <a16:creationId xmlns:a16="http://schemas.microsoft.com/office/drawing/2014/main" id="{93016FDB-23DE-466F-ACE1-BE850B201339}"/>
+              </a:ext>
+            </a:extLst>
+          </p:cNvPr>
+          <p:cNvPicPr>
+            <a:picLocks noChangeAspect="1"/>
+          </p:cNvPicPr>
+          <p:nvPr/>
+        </p:nvPicPr>
+        <p:blipFill>
+          <a:blip r:embed="rId3"/>
+          <a:stretch>
+            <a:fillRect/>
+          </a:stretch>
+        </p:blipFill>
+        <p:spPr>
+          <a:xfrm>
+            <a:off x="672138" y="5224244"/>
+            <a:ext cx="4610100" cy="638175"/>
+          </a:xfrm>
+          <a:prstGeom prst="rect">
+            <a:avLst/>
+          </a:prstGeom>
+        </p:spPr>
+      </p:pic>
+      <p:sp>
+        <p:nvSpPr>
+          <p:cNvPr id="8" name="Rectangle 7">
+            <a:extLst>
+              <a:ext uri="{FF2B5EF4-FFF2-40B4-BE49-F238E27FC236}">
+                <a16:creationId xmlns:a16="http://schemas.microsoft.com/office/drawing/2014/main" id="{17EB1C80-ABE5-4C0E-848F-8DDC2EA84454}"/>
+              </a:ext>
+            </a:extLst>
+          </p:cNvPr>
+          <p:cNvSpPr/>
+          <p:nvPr/>
+        </p:nvSpPr>
+        <p:spPr>
+          <a:xfrm>
+            <a:off x="564737" y="6021377"/>
+            <a:ext cx="4406976" cy="369332"/>
+          </a:xfrm>
+          <a:prstGeom prst="rect">
+            <a:avLst/>
+          </a:prstGeom>
+        </p:spPr>
+        <p:txBody>
+          <a:bodyPr wrap="none">
+            <a:spAutoFit/>
+          </a:bodyPr>
+          <a:lstStyle/>
+          <a:p>
+            <a:r>
+              <a:rPr lang="en-US" dirty="0"/>
+              <a:t>The </a:t>
+            </a:r>
+            <a:r>
+              <a:rPr lang="en-US" dirty="0" err="1"/>
+              <a:t>adjugate</a:t>
+            </a:r>
+            <a:r>
+              <a:rPr lang="en-US" dirty="0"/>
+              <a:t> matrix of the key matrix.</a:t>
+            </a:r>
+          </a:p>
+        </p:txBody>
+      </p:sp>
+    </p:spTree>
+    <p:extLst>
+      <p:ext uri="{BB962C8B-B14F-4D97-AF65-F5344CB8AC3E}">
+        <p14:creationId xmlns:p14="http://schemas.microsoft.com/office/powerpoint/2010/main" val="2256435104"/>
+      </p:ext>
+    </p:extLst>
+  </p:cSld>
+  <p:clrMapOvr>
+    <a:masterClrMapping/>
+  </p:clrMapOvr>
+</p:sld>
+</file>
+
+<file path=ppt/slides/slide14.xml><?xml version="1.0" encoding="utf-8"?>
+<p:sld xmlns:a="http://schemas.openxmlformats.org/drawingml/2006/main" xmlns:r="http://schemas.openxmlformats.org/officeDocument/2006/relationships" xmlns:p="http://schemas.openxmlformats.org/presentationml/2006/main">
+  <p:cSld>
+    <p:spTree>
+      <p:nvGrpSpPr>
+        <p:cNvPr id="1" name=""/>
+        <p:cNvGrpSpPr/>
+        <p:nvPr/>
+      </p:nvGrpSpPr>
+      <p:grpSpPr>
+        <a:xfrm>
+          <a:off x="0" y="0"/>
+          <a:ext cx="0" cy="0"/>
+          <a:chOff x="0" y="0"/>
+          <a:chExt cx="0" cy="0"/>
+        </a:xfrm>
+      </p:grpSpPr>
+      <p:sp>
+        <p:nvSpPr>
+          <p:cNvPr id="2" name="Title 1">
+            <a:extLst>
+              <a:ext uri="{FF2B5EF4-FFF2-40B4-BE49-F238E27FC236}">
+                <a16:creationId xmlns:a16="http://schemas.microsoft.com/office/drawing/2014/main" id="{92FEDAC6-30AD-442E-92FA-CBE4C9F49253}"/>
+              </a:ext>
+            </a:extLst>
+          </p:cNvPr>
+          <p:cNvSpPr>
+            <a:spLocks noGrp="1"/>
+          </p:cNvSpPr>
+          <p:nvPr>
+            <p:ph type="title"/>
+          </p:nvPr>
+        </p:nvSpPr>
+        <p:spPr>
+          <a:xfrm>
+            <a:off x="672138" y="527728"/>
+            <a:ext cx="8534400" cy="1507067"/>
+          </a:xfrm>
+        </p:spPr>
+        <p:txBody>
+          <a:bodyPr/>
+          <a:lstStyle/>
+          <a:p>
+            <a:r>
+              <a:rPr lang="en-US" dirty="0"/>
+              <a:t>Finding the inverse matrix</a:t>
+            </a:r>
+          </a:p>
+        </p:txBody>
+      </p:sp>
+      <p:sp>
+        <p:nvSpPr>
+          <p:cNvPr id="3" name="Content Placeholder 2">
+            <a:extLst>
+              <a:ext uri="{FF2B5EF4-FFF2-40B4-BE49-F238E27FC236}">
+                <a16:creationId xmlns:a16="http://schemas.microsoft.com/office/drawing/2014/main" id="{8CC66705-E4F8-4E0B-B037-AEC60EE36AC8}"/>
+              </a:ext>
+            </a:extLst>
+          </p:cNvPr>
+          <p:cNvSpPr>
+            <a:spLocks noGrp="1"/>
+          </p:cNvSpPr>
+          <p:nvPr>
+            <p:ph idx="1"/>
+          </p:nvPr>
+        </p:nvSpPr>
+        <p:spPr>
+          <a:xfrm flipH="1" flipV="1">
+            <a:off x="9218611" y="1015069"/>
+            <a:ext cx="1745799" cy="1281418"/>
+          </a:xfrm>
+        </p:spPr>
+        <p:txBody>
+          <a:bodyPr/>
+          <a:lstStyle/>
+          <a:p>
+            <a:endParaRPr lang="en-US" dirty="0">
+              <a:solidFill>
+                <a:schemeClr val="tx1"/>
+              </a:solidFill>
+            </a:endParaRPr>
+          </a:p>
+        </p:txBody>
+      </p:sp>
+      <p:pic>
+        <p:nvPicPr>
+          <p:cNvPr id="4" name="Picture 3">
+            <a:extLst>
+              <a:ext uri="{FF2B5EF4-FFF2-40B4-BE49-F238E27FC236}">
+                <a16:creationId xmlns:a16="http://schemas.microsoft.com/office/drawing/2014/main" id="{721F9E73-3B7C-42D5-BB72-25CDF353D1C2}"/>
+              </a:ext>
+            </a:extLst>
+          </p:cNvPr>
+          <p:cNvPicPr>
+            <a:picLocks noChangeAspect="1"/>
+          </p:cNvPicPr>
+          <p:nvPr/>
+        </p:nvPicPr>
+        <p:blipFill>
+          <a:blip r:embed="rId2"/>
+          <a:stretch>
+            <a:fillRect/>
+          </a:stretch>
+        </p:blipFill>
+        <p:spPr>
+          <a:xfrm>
+            <a:off x="672138" y="1848812"/>
+            <a:ext cx="7448550" cy="895350"/>
+          </a:xfrm>
+          <a:prstGeom prst="rect">
+            <a:avLst/>
+          </a:prstGeom>
+        </p:spPr>
+      </p:pic>
+      <p:sp>
+        <p:nvSpPr>
+          <p:cNvPr id="5" name="Rectangle 4">
+            <a:extLst>
+              <a:ext uri="{FF2B5EF4-FFF2-40B4-BE49-F238E27FC236}">
+                <a16:creationId xmlns:a16="http://schemas.microsoft.com/office/drawing/2014/main" id="{D50F5A6C-0F77-4CD3-953B-87B257D3C307}"/>
+              </a:ext>
+            </a:extLst>
+          </p:cNvPr>
+          <p:cNvSpPr/>
+          <p:nvPr/>
+        </p:nvSpPr>
+        <p:spPr>
+          <a:xfrm>
+            <a:off x="672138" y="2894214"/>
+            <a:ext cx="6096000" cy="923330"/>
+          </a:xfrm>
+          <a:prstGeom prst="rect">
+            <a:avLst/>
+          </a:prstGeom>
+        </p:spPr>
+        <p:txBody>
+          <a:bodyPr>
+            <a:spAutoFit/>
+          </a:bodyPr>
+          <a:lstStyle/>
+          <a:p>
+            <a:r>
+              <a:rPr lang="en-US" dirty="0"/>
+              <a:t>Multiplying the multiplicative inverse of the determinant by the </a:t>
+            </a:r>
+            <a:r>
+              <a:rPr lang="en-US" dirty="0" err="1"/>
+              <a:t>adjugate</a:t>
+            </a:r>
+            <a:r>
+              <a:rPr lang="en-US" dirty="0"/>
+              <a:t> to get the inverse key matrix</a:t>
+            </a:r>
+          </a:p>
+        </p:txBody>
+      </p:sp>
+      <p:pic>
+        <p:nvPicPr>
+          <p:cNvPr id="6" name="Picture 5">
+            <a:extLst>
+              <a:ext uri="{FF2B5EF4-FFF2-40B4-BE49-F238E27FC236}">
+                <a16:creationId xmlns:a16="http://schemas.microsoft.com/office/drawing/2014/main" id="{9528A9B5-A4C5-4948-A782-78C871389970}"/>
+              </a:ext>
+            </a:extLst>
+          </p:cNvPr>
+          <p:cNvPicPr>
+            <a:picLocks noChangeAspect="1"/>
+          </p:cNvPicPr>
+          <p:nvPr/>
+        </p:nvPicPr>
+        <p:blipFill>
+          <a:blip r:embed="rId3"/>
+          <a:stretch>
+            <a:fillRect/>
+          </a:stretch>
+        </p:blipFill>
+        <p:spPr>
+          <a:xfrm>
+            <a:off x="672138" y="3817544"/>
+            <a:ext cx="5943600" cy="819150"/>
+          </a:xfrm>
+          <a:prstGeom prst="rect">
+            <a:avLst/>
+          </a:prstGeom>
+        </p:spPr>
+      </p:pic>
+    </p:spTree>
+    <p:extLst>
+      <p:ext uri="{BB962C8B-B14F-4D97-AF65-F5344CB8AC3E}">
+        <p14:creationId xmlns:p14="http://schemas.microsoft.com/office/powerpoint/2010/main" val="4179709049"/>
+      </p:ext>
+    </p:extLst>
+  </p:cSld>
+  <p:clrMapOvr>
+    <a:masterClrMapping/>
+  </p:clrMapOvr>
+</p:sld>
+</file>
+
+<file path=ppt/slides/slide15.xml><?xml version="1.0" encoding="utf-8"?>
+<p:sld xmlns:a="http://schemas.openxmlformats.org/drawingml/2006/main" xmlns:r="http://schemas.openxmlformats.org/officeDocument/2006/relationships" xmlns:p="http://schemas.openxmlformats.org/presentationml/2006/main">
+  <p:cSld>
+    <p:spTree>
+      <p:nvGrpSpPr>
+        <p:cNvPr id="1" name=""/>
+        <p:cNvGrpSpPr/>
+        <p:nvPr/>
+      </p:nvGrpSpPr>
+      <p:grpSpPr>
+        <a:xfrm>
+          <a:off x="0" y="0"/>
+          <a:ext cx="0" cy="0"/>
+          <a:chOff x="0" y="0"/>
+          <a:chExt cx="0" cy="0"/>
+        </a:xfrm>
+      </p:grpSpPr>
+      <p:sp>
+        <p:nvSpPr>
+          <p:cNvPr id="2" name="Title 1">
+            <a:extLst>
+              <a:ext uri="{FF2B5EF4-FFF2-40B4-BE49-F238E27FC236}">
+                <a16:creationId xmlns:a16="http://schemas.microsoft.com/office/drawing/2014/main" id="{92FEDAC6-30AD-442E-92FA-CBE4C9F49253}"/>
+              </a:ext>
+            </a:extLst>
+          </p:cNvPr>
+          <p:cNvSpPr>
+            <a:spLocks noGrp="1"/>
+          </p:cNvSpPr>
+          <p:nvPr>
+            <p:ph type="title"/>
+          </p:nvPr>
+        </p:nvSpPr>
+        <p:spPr>
+          <a:xfrm>
+            <a:off x="672138" y="527728"/>
+            <a:ext cx="8534400" cy="1507067"/>
+          </a:xfrm>
+        </p:spPr>
+        <p:txBody>
+          <a:bodyPr/>
+          <a:lstStyle/>
+          <a:p>
+            <a:r>
+              <a:rPr lang="en-US" dirty="0"/>
+              <a:t>Decryption example</a:t>
+            </a:r>
+          </a:p>
+        </p:txBody>
+      </p:sp>
+      <p:sp>
+        <p:nvSpPr>
+          <p:cNvPr id="3" name="Content Placeholder 2">
+            <a:extLst>
+              <a:ext uri="{FF2B5EF4-FFF2-40B4-BE49-F238E27FC236}">
+                <a16:creationId xmlns:a16="http://schemas.microsoft.com/office/drawing/2014/main" id="{8CC66705-E4F8-4E0B-B037-AEC60EE36AC8}"/>
+              </a:ext>
+            </a:extLst>
+          </p:cNvPr>
+          <p:cNvSpPr>
+            <a:spLocks noGrp="1"/>
+          </p:cNvSpPr>
+          <p:nvPr>
+            <p:ph idx="1"/>
+          </p:nvPr>
+        </p:nvSpPr>
+        <p:spPr>
+          <a:xfrm>
+            <a:off x="684212" y="2296486"/>
+            <a:ext cx="8534400" cy="3615267"/>
+          </a:xfrm>
+        </p:spPr>
+        <p:txBody>
+          <a:bodyPr/>
+          <a:lstStyle/>
+          <a:p>
+            <a:endParaRPr lang="en-US" dirty="0">
+              <a:solidFill>
+                <a:schemeClr val="tx1"/>
+              </a:solidFill>
+            </a:endParaRPr>
+          </a:p>
+        </p:txBody>
+      </p:sp>
+      <p:pic>
+        <p:nvPicPr>
+          <p:cNvPr id="4" name="Picture 3">
+            <a:extLst>
+              <a:ext uri="{FF2B5EF4-FFF2-40B4-BE49-F238E27FC236}">
+                <a16:creationId xmlns:a16="http://schemas.microsoft.com/office/drawing/2014/main" id="{B449137F-75E6-4D9C-8C6D-018D22AC2951}"/>
+              </a:ext>
+            </a:extLst>
+          </p:cNvPr>
+          <p:cNvPicPr>
+            <a:picLocks noChangeAspect="1"/>
+          </p:cNvPicPr>
+          <p:nvPr/>
+        </p:nvPicPr>
+        <p:blipFill>
+          <a:blip r:embed="rId2"/>
+          <a:stretch>
+            <a:fillRect/>
+          </a:stretch>
+        </p:blipFill>
+        <p:spPr>
+          <a:xfrm>
+            <a:off x="672138" y="2094344"/>
+            <a:ext cx="5661550" cy="4266382"/>
+          </a:xfrm>
+          <a:prstGeom prst="rect">
+            <a:avLst/>
+          </a:prstGeom>
+        </p:spPr>
+      </p:pic>
+    </p:spTree>
+    <p:extLst>
+      <p:ext uri="{BB962C8B-B14F-4D97-AF65-F5344CB8AC3E}">
+        <p14:creationId xmlns:p14="http://schemas.microsoft.com/office/powerpoint/2010/main" val="935599262"/>
+      </p:ext>
+    </p:extLst>
+  </p:cSld>
+  <p:clrMapOvr>
+    <a:masterClrMapping/>
+  </p:clrMapOvr>
+</p:sld>
+</file>
+
+<file path=ppt/slides/slide16.xml><?xml version="1.0" encoding="utf-8"?>
+<p:sld xmlns:a="http://schemas.openxmlformats.org/drawingml/2006/main" xmlns:r="http://schemas.openxmlformats.org/officeDocument/2006/relationships" xmlns:p="http://schemas.openxmlformats.org/presentationml/2006/main">
+  <p:cSld>
+    <p:spTree>
+      <p:nvGrpSpPr>
+        <p:cNvPr id="1" name=""/>
+        <p:cNvGrpSpPr/>
+        <p:nvPr/>
+      </p:nvGrpSpPr>
+      <p:grpSpPr>
+        <a:xfrm>
+          <a:off x="0" y="0"/>
+          <a:ext cx="0" cy="0"/>
+          <a:chOff x="0" y="0"/>
+          <a:chExt cx="0" cy="0"/>
+        </a:xfrm>
+      </p:grpSpPr>
+      <p:sp>
+        <p:nvSpPr>
+          <p:cNvPr id="2" name="Title 1">
+            <a:extLst>
+              <a:ext uri="{FF2B5EF4-FFF2-40B4-BE49-F238E27FC236}">
+                <a16:creationId xmlns:a16="http://schemas.microsoft.com/office/drawing/2014/main" id="{92FEDAC6-30AD-442E-92FA-CBE4C9F49253}"/>
+              </a:ext>
+            </a:extLst>
+          </p:cNvPr>
+          <p:cNvSpPr>
+            <a:spLocks noGrp="1"/>
+          </p:cNvSpPr>
+          <p:nvPr>
+            <p:ph type="title"/>
+          </p:nvPr>
+        </p:nvSpPr>
+        <p:spPr>
+          <a:xfrm>
+            <a:off x="672138" y="527728"/>
+            <a:ext cx="8534400" cy="1507067"/>
+          </a:xfrm>
+        </p:spPr>
+        <p:txBody>
+          <a:bodyPr/>
+          <a:lstStyle/>
+          <a:p>
+            <a:r>
+              <a:rPr lang="en-US" dirty="0"/>
               <a:t>Demonstration</a:t>
             </a:r>
           </a:p>
@@ -5776,7 +6676,7 @@
 </p:sld>
 </file>
 
-<file path=ppt/slides/slide14.xml><?xml version="1.0" encoding="utf-8"?>
+<file path=ppt/slides/slide17.xml><?xml version="1.0" encoding="utf-8"?>
 <p:sld xmlns:a="http://schemas.openxmlformats.org/drawingml/2006/main" xmlns:r="http://schemas.openxmlformats.org/officeDocument/2006/relationships" xmlns:p="http://schemas.openxmlformats.org/presentationml/2006/main">
   <p:cSld>
     <p:spTree>
@@ -6418,40 +7318,128 @@
           </a:p>
         </p:txBody>
       </p:sp>
-      <p:sp>
-        <p:nvSpPr>
-          <p:cNvPr id="3" name="Content Placeholder 2">
+      <p:pic>
+        <p:nvPicPr>
+          <p:cNvPr id="4" name="Content Placeholder 3">
             <a:extLst>
               <a:ext uri="{FF2B5EF4-FFF2-40B4-BE49-F238E27FC236}">
-                <a16:creationId xmlns:a16="http://schemas.microsoft.com/office/drawing/2014/main" id="{8CC66705-E4F8-4E0B-B037-AEC60EE36AC8}"/>
+                <a16:creationId xmlns:a16="http://schemas.microsoft.com/office/drawing/2014/main" id="{A7A4EE93-3A84-479C-87E7-5B9B68FBDB37}"/>
               </a:ext>
             </a:extLst>
           </p:cNvPr>
-          <p:cNvSpPr>
-            <a:spLocks noGrp="1"/>
-          </p:cNvSpPr>
+          <p:cNvPicPr>
+            <a:picLocks noGrp="1" noChangeAspect="1"/>
+          </p:cNvPicPr>
           <p:nvPr>
             <p:ph idx="1"/>
           </p:nvPr>
-        </p:nvSpPr>
-        <p:spPr>
-          <a:xfrm>
-            <a:off x="684212" y="2296486"/>
-            <a:ext cx="8534400" cy="3615267"/>
-          </a:xfrm>
-        </p:spPr>
-        <p:txBody>
-          <a:bodyPr/>
-          <a:lstStyle/>
-          <a:p>
-            <a:endParaRPr lang="en-US" dirty="0">
-              <a:solidFill>
-                <a:schemeClr val="tx1"/>
-              </a:solidFill>
-            </a:endParaRPr>
-          </a:p>
-        </p:txBody>
-      </p:sp>
+        </p:nvPicPr>
+        <p:blipFill>
+          <a:blip r:embed="rId2"/>
+          <a:stretch>
+            <a:fillRect/>
+          </a:stretch>
+        </p:blipFill>
+        <p:spPr>
+          <a:xfrm>
+            <a:off x="672138" y="2034794"/>
+            <a:ext cx="955326" cy="657429"/>
+          </a:xfrm>
+          <a:prstGeom prst="rect">
+            <a:avLst/>
+          </a:prstGeom>
+        </p:spPr>
+      </p:pic>
+      <p:pic>
+        <p:nvPicPr>
+          <p:cNvPr id="5" name="Picture 4">
+            <a:extLst>
+              <a:ext uri="{FF2B5EF4-FFF2-40B4-BE49-F238E27FC236}">
+                <a16:creationId xmlns:a16="http://schemas.microsoft.com/office/drawing/2014/main" id="{D56CF70E-8EDD-4E92-ACC4-51CB697AC986}"/>
+              </a:ext>
+            </a:extLst>
+          </p:cNvPr>
+          <p:cNvPicPr>
+            <a:picLocks noChangeAspect="1"/>
+          </p:cNvPicPr>
+          <p:nvPr/>
+        </p:nvPicPr>
+        <p:blipFill>
+          <a:blip r:embed="rId3"/>
+          <a:stretch>
+            <a:fillRect/>
+          </a:stretch>
+        </p:blipFill>
+        <p:spPr>
+          <a:xfrm>
+            <a:off x="2177323" y="2034998"/>
+            <a:ext cx="1133475" cy="657225"/>
+          </a:xfrm>
+          <a:prstGeom prst="rect">
+            <a:avLst/>
+          </a:prstGeom>
+        </p:spPr>
+      </p:pic>
+      <p:pic>
+        <p:nvPicPr>
+          <p:cNvPr id="6" name="Picture 5">
+            <a:extLst>
+              <a:ext uri="{FF2B5EF4-FFF2-40B4-BE49-F238E27FC236}">
+                <a16:creationId xmlns:a16="http://schemas.microsoft.com/office/drawing/2014/main" id="{CF39E604-9EF9-434B-8E73-721113394A4D}"/>
+              </a:ext>
+            </a:extLst>
+          </p:cNvPr>
+          <p:cNvPicPr>
+            <a:picLocks noChangeAspect="1"/>
+          </p:cNvPicPr>
+          <p:nvPr/>
+        </p:nvPicPr>
+        <p:blipFill>
+          <a:blip r:embed="rId4"/>
+          <a:stretch>
+            <a:fillRect/>
+          </a:stretch>
+        </p:blipFill>
+        <p:spPr>
+          <a:xfrm>
+            <a:off x="672138" y="3403778"/>
+            <a:ext cx="3343275" cy="762000"/>
+          </a:xfrm>
+          <a:prstGeom prst="rect">
+            <a:avLst/>
+          </a:prstGeom>
+        </p:spPr>
+      </p:pic>
+      <p:pic>
+        <p:nvPicPr>
+          <p:cNvPr id="7" name="Picture 6">
+            <a:extLst>
+              <a:ext uri="{FF2B5EF4-FFF2-40B4-BE49-F238E27FC236}">
+                <a16:creationId xmlns:a16="http://schemas.microsoft.com/office/drawing/2014/main" id="{0E3DE109-9A8B-4D39-80B9-DE15D067C4D6}"/>
+              </a:ext>
+            </a:extLst>
+          </p:cNvPr>
+          <p:cNvPicPr>
+            <a:picLocks noChangeAspect="1"/>
+          </p:cNvPicPr>
+          <p:nvPr/>
+        </p:nvPicPr>
+        <p:blipFill>
+          <a:blip r:embed="rId5"/>
+          <a:stretch>
+            <a:fillRect/>
+          </a:stretch>
+        </p:blipFill>
+        <p:spPr>
+          <a:xfrm>
+            <a:off x="4295775" y="3429000"/>
+            <a:ext cx="3600450" cy="742950"/>
+          </a:xfrm>
+          <a:prstGeom prst="rect">
+            <a:avLst/>
+          </a:prstGeom>
+        </p:spPr>
+      </p:pic>
     </p:spTree>
     <p:extLst>
       <p:ext uri="{BB962C8B-B14F-4D97-AF65-F5344CB8AC3E}">
@@ -6547,23 +7535,7 @@
                   <a:schemeClr val="tx1"/>
                 </a:solidFill>
               </a:rPr>
-              <a:t>To encrypt a message using the Hill Cipher we must first turn our keyword into a key matrix (a 2 x 2 matrix for working with digraphs, a 3 x 3 matrix for working with trigraphs, </a:t>
-            </a:r>
-            <a:r>
-              <a:rPr lang="en-US" dirty="0" err="1">
-                <a:solidFill>
-                  <a:schemeClr val="tx1"/>
-                </a:solidFill>
-              </a:rPr>
-              <a:t>etc</a:t>
-            </a:r>
-            <a:r>
-              <a:rPr lang="en-US" dirty="0">
-                <a:solidFill>
-                  <a:schemeClr val="tx1"/>
-                </a:solidFill>
-              </a:rPr>
-              <a:t>). We also turn the plaintext into digraphs (or trigraphs) and each of these into a column vector. We then perform matrix multiplication modulo the length of the alphabet (i.e. 26) on each vector. These vectors are then converted back into letters to produce the ciphertext.</a:t>
+              <a:t>To encrypt a message using the Hill Cipher we must first turn our keyword into a key matrix. We also turn the plaintext into digraphs and each of these into a column vector. We then perform matrix multiplication modulo the length of the alphabet on each vector. These vectors are then converted back into letters to produce the ciphertext.</a:t>
             </a:r>
           </a:p>
         </p:txBody>
@@ -6624,6 +7596,7 @@
           <a:bodyPr/>
           <a:lstStyle/>
           <a:p>
+            <a:pPr algn="ctr"/>
             <a:r>
               <a:rPr lang="en-US" dirty="0"/>
               <a:t>Encryption example</a:t>
@@ -6631,40 +7604,38 @@
           </a:p>
         </p:txBody>
       </p:sp>
-      <p:sp>
-        <p:nvSpPr>
-          <p:cNvPr id="3" name="Content Placeholder 2">
+      <p:pic>
+        <p:nvPicPr>
+          <p:cNvPr id="4" name="Content Placeholder 3">
             <a:extLst>
               <a:ext uri="{FF2B5EF4-FFF2-40B4-BE49-F238E27FC236}">
-                <a16:creationId xmlns:a16="http://schemas.microsoft.com/office/drawing/2014/main" id="{8CC66705-E4F8-4E0B-B037-AEC60EE36AC8}"/>
+                <a16:creationId xmlns:a16="http://schemas.microsoft.com/office/drawing/2014/main" id="{F813AECB-F62A-4691-8594-7F80DB3B2779}"/>
               </a:ext>
             </a:extLst>
           </p:cNvPr>
-          <p:cNvSpPr>
-            <a:spLocks noGrp="1"/>
-          </p:cNvSpPr>
+          <p:cNvPicPr>
+            <a:picLocks noGrp="1" noChangeAspect="1"/>
+          </p:cNvPicPr>
           <p:nvPr>
             <p:ph idx="1"/>
           </p:nvPr>
-        </p:nvSpPr>
-        <p:spPr>
-          <a:xfrm>
-            <a:off x="684212" y="2296486"/>
-            <a:ext cx="8534400" cy="3615267"/>
-          </a:xfrm>
-        </p:spPr>
-        <p:txBody>
-          <a:bodyPr/>
-          <a:lstStyle/>
-          <a:p>
-            <a:endParaRPr lang="en-US" dirty="0">
-              <a:solidFill>
-                <a:schemeClr val="tx1"/>
-              </a:solidFill>
-            </a:endParaRPr>
-          </a:p>
-        </p:txBody>
-      </p:sp>
+        </p:nvPicPr>
+        <p:blipFill>
+          <a:blip r:embed="rId2"/>
+          <a:stretch>
+            <a:fillRect/>
+          </a:stretch>
+        </p:blipFill>
+        <p:spPr>
+          <a:xfrm>
+            <a:off x="1697764" y="2034795"/>
+            <a:ext cx="6483147" cy="3614737"/>
+          </a:xfrm>
+          <a:prstGeom prst="rect">
+            <a:avLst/>
+          </a:prstGeom>
+        </p:spPr>
+      </p:pic>
     </p:spTree>
     <p:extLst>
       <p:ext uri="{BB962C8B-B14F-4D97-AF65-F5344CB8AC3E}">
@@ -6760,7 +7731,7 @@
                   <a:schemeClr val="tx1"/>
                 </a:solidFill>
               </a:rPr>
-              <a:t>To decrypt a ciphertext encoded using the Hill Cipher, we must find the inverse matrix. Once we have the inverse matrix, the process is the same as encrypting. That is we multiply the inverse key matrix by the column vectors that the ciphertext is split into, take the results modulo the length of the alphabet, and finally convert the numbers back to letters.</a:t>
+              <a:t>To decrypt a ciphertext encoded using the Hill Cipher, we must find the inverse matrix. Once we have the inverse matrix, the process is the same as encrypting. alphabet, and finally convert the numbers back to letters.</a:t>
             </a:r>
           </a:p>
           <a:p>
@@ -6770,23 +7741,7 @@
                   <a:schemeClr val="tx1"/>
                 </a:solidFill>
               </a:rPr>
-              <a:t>Since the majority of the process is the same as encryption, we are going </a:t>
-            </a:r>
-            <a:r>
-              <a:rPr lang="en-US" dirty="0" err="1">
-                <a:solidFill>
-                  <a:schemeClr val="tx1"/>
-                </a:solidFill>
-              </a:rPr>
-              <a:t>ot</a:t>
-            </a:r>
-            <a:r>
-              <a:rPr lang="en-US" dirty="0">
-                <a:solidFill>
-                  <a:schemeClr val="tx1"/>
-                </a:solidFill>
-              </a:rPr>
-              <a:t> focus on finding the inverse key matrix (not an easy task), and will then skim quickly through the other steps (for more information see Encryption above).</a:t>
+              <a:t>The majority of the process is the same as encryption, aside from finding the inverse matrix.</a:t>
             </a:r>
           </a:p>
         </p:txBody>

--- a/CST407FinalPP.pptx
+++ b/CST407FinalPP.pptx
@@ -128,6 +128,10 @@
 </p:presentation>
 </file>
 
+<file path=ppt/revisionInfo.xml><?xml version="1.0" encoding="utf-8"?>
+<p1510:revInfo xmlns:a="http://schemas.openxmlformats.org/drawingml/2006/main" xmlns:r="http://schemas.openxmlformats.org/officeDocument/2006/relationships" xmlns:p1510="http://schemas.microsoft.com/office/powerpoint/2015/10/main"/>
+</file>
+
 <file path=ppt/slideLayouts/slideLayout1.xml><?xml version="1.0" encoding="utf-8"?>
 <p:sldLayout xmlns:a="http://schemas.openxmlformats.org/drawingml/2006/main" xmlns:r="http://schemas.openxmlformats.org/officeDocument/2006/relationships" xmlns:p="http://schemas.openxmlformats.org/presentationml/2006/main" showMasterSp="0" type="title" preserve="1">
   <p:cSld name="Title Slide">
@@ -320,7 +324,7 @@
             <a:fld id="{B61BEF0D-F0BB-DE4B-95CE-6DB70DBA9567}" type="datetimeFigureOut">
               <a:rPr lang="en-US" dirty="0"/>
               <a:pPr/>
-              <a:t>3/14/2018</a:t>
+              <a:t>14-Mar-18</a:t>
             </a:fld>
             <a:endParaRPr lang="en-US" dirty="0"/>
           </a:p>
@@ -753,7 +757,7 @@
             <a:fld id="{B61BEF0D-F0BB-DE4B-95CE-6DB70DBA9567}" type="datetimeFigureOut">
               <a:rPr lang="en-US" dirty="0"/>
               <a:pPr/>
-              <a:t>3/14/2018</a:t>
+              <a:t>14-Mar-18</a:t>
             </a:fld>
             <a:endParaRPr lang="en-US" dirty="0"/>
           </a:p>
@@ -1000,7 +1004,7 @@
             <a:fld id="{B61BEF0D-F0BB-DE4B-95CE-6DB70DBA9567}" type="datetimeFigureOut">
               <a:rPr lang="en-US" dirty="0"/>
               <a:pPr/>
-              <a:t>3/14/2018</a:t>
+              <a:t>14-Mar-18</a:t>
             </a:fld>
             <a:endParaRPr lang="en-US" dirty="0"/>
           </a:p>
@@ -1305,7 +1309,7 @@
             <a:fld id="{B61BEF0D-F0BB-DE4B-95CE-6DB70DBA9567}" type="datetimeFigureOut">
               <a:rPr lang="en-US" dirty="0"/>
               <a:pPr/>
-              <a:t>3/14/2018</a:t>
+              <a:t>14-Mar-18</a:t>
             </a:fld>
             <a:endParaRPr lang="en-US" dirty="0"/>
           </a:p>
@@ -1620,7 +1624,7 @@
             <a:fld id="{B61BEF0D-F0BB-DE4B-95CE-6DB70DBA9567}" type="datetimeFigureOut">
               <a:rPr lang="en-US" dirty="0"/>
               <a:pPr/>
-              <a:t>3/14/2018</a:t>
+              <a:t>14-Mar-18</a:t>
             </a:fld>
             <a:endParaRPr lang="en-US" dirty="0"/>
           </a:p>
@@ -1919,7 +1923,7 @@
             <a:fld id="{B61BEF0D-F0BB-DE4B-95CE-6DB70DBA9567}" type="datetimeFigureOut">
               <a:rPr lang="en-US" dirty="0"/>
               <a:pPr/>
-              <a:t>3/14/2018</a:t>
+              <a:t>14-Mar-18</a:t>
             </a:fld>
             <a:endParaRPr lang="en-US" dirty="0"/>
           </a:p>
@@ -2283,7 +2287,7 @@
             <a:fld id="{B61BEF0D-F0BB-DE4B-95CE-6DB70DBA9567}" type="datetimeFigureOut">
               <a:rPr lang="en-US" dirty="0"/>
               <a:pPr/>
-              <a:t>3/14/2018</a:t>
+              <a:t>14-Mar-18</a:t>
             </a:fld>
             <a:endParaRPr lang="en-US" dirty="0"/>
           </a:p>
@@ -2454,7 +2458,7 @@
             <a:fld id="{B61BEF0D-F0BB-DE4B-95CE-6DB70DBA9567}" type="datetimeFigureOut">
               <a:rPr lang="en-US" dirty="0"/>
               <a:pPr/>
-              <a:t>3/14/2018</a:t>
+              <a:t>14-Mar-18</a:t>
             </a:fld>
             <a:endParaRPr lang="en-US" dirty="0"/>
           </a:p>
@@ -2631,7 +2635,7 @@
             <a:fld id="{B61BEF0D-F0BB-DE4B-95CE-6DB70DBA9567}" type="datetimeFigureOut">
               <a:rPr lang="en-US" dirty="0"/>
               <a:pPr/>
-              <a:t>3/14/2018</a:t>
+              <a:t>14-Mar-18</a:t>
             </a:fld>
             <a:endParaRPr lang="en-US" dirty="0"/>
           </a:p>
@@ -2798,7 +2802,7 @@
             <a:fld id="{B61BEF0D-F0BB-DE4B-95CE-6DB70DBA9567}" type="datetimeFigureOut">
               <a:rPr lang="en-US" dirty="0"/>
               <a:pPr/>
-              <a:t>3/14/2018</a:t>
+              <a:t>14-Mar-18</a:t>
             </a:fld>
             <a:endParaRPr lang="en-US" dirty="0"/>
           </a:p>
@@ -3045,7 +3049,7 @@
             <a:fld id="{B61BEF0D-F0BB-DE4B-95CE-6DB70DBA9567}" type="datetimeFigureOut">
               <a:rPr lang="en-US" dirty="0"/>
               <a:pPr/>
-              <a:t>3/14/2018</a:t>
+              <a:t>14-Mar-18</a:t>
             </a:fld>
             <a:endParaRPr lang="en-US" dirty="0"/>
           </a:p>
@@ -3278,7 +3282,7 @@
             <a:fld id="{B61BEF0D-F0BB-DE4B-95CE-6DB70DBA9567}" type="datetimeFigureOut">
               <a:rPr lang="en-US" dirty="0"/>
               <a:pPr/>
-              <a:t>3/14/2018</a:t>
+              <a:t>14-Mar-18</a:t>
             </a:fld>
             <a:endParaRPr lang="en-US" dirty="0"/>
           </a:p>
@@ -3657,7 +3661,7 @@
             <a:fld id="{B61BEF0D-F0BB-DE4B-95CE-6DB70DBA9567}" type="datetimeFigureOut">
               <a:rPr lang="en-US" dirty="0"/>
               <a:pPr/>
-              <a:t>3/14/2018</a:t>
+              <a:t>14-Mar-18</a:t>
             </a:fld>
             <a:endParaRPr lang="en-US" dirty="0"/>
           </a:p>
@@ -3772,7 +3776,7 @@
             <a:fld id="{B61BEF0D-F0BB-DE4B-95CE-6DB70DBA9567}" type="datetimeFigureOut">
               <a:rPr lang="en-US" dirty="0"/>
               <a:pPr/>
-              <a:t>3/14/2018</a:t>
+              <a:t>14-Mar-18</a:t>
             </a:fld>
             <a:endParaRPr lang="en-US" dirty="0"/>
           </a:p>
@@ -3864,7 +3868,7 @@
             <a:fld id="{B61BEF0D-F0BB-DE4B-95CE-6DB70DBA9567}" type="datetimeFigureOut">
               <a:rPr lang="en-US" dirty="0"/>
               <a:pPr/>
-              <a:t>3/14/2018</a:t>
+              <a:t>14-Mar-18</a:t>
             </a:fld>
             <a:endParaRPr lang="en-US" dirty="0"/>
           </a:p>
@@ -4116,7 +4120,7 @@
             <a:fld id="{B61BEF0D-F0BB-DE4B-95CE-6DB70DBA9567}" type="datetimeFigureOut">
               <a:rPr lang="en-US" dirty="0"/>
               <a:pPr/>
-              <a:t>3/14/2018</a:t>
+              <a:t>14-Mar-18</a:t>
             </a:fld>
             <a:endParaRPr lang="en-US" dirty="0"/>
           </a:p>
@@ -4396,7 +4400,7 @@
             <a:fld id="{B61BEF0D-F0BB-DE4B-95CE-6DB70DBA9567}" type="datetimeFigureOut">
               <a:rPr lang="en-US" dirty="0"/>
               <a:pPr/>
-              <a:t>3/14/2018</a:t>
+              <a:t>14-Mar-18</a:t>
             </a:fld>
             <a:endParaRPr lang="en-US" dirty="0"/>
           </a:p>
@@ -4799,7 +4803,7 @@
             <a:fld id="{B61BEF0D-F0BB-DE4B-95CE-6DB70DBA9567}" type="datetimeFigureOut">
               <a:rPr lang="en-US" dirty="0"/>
               <a:pPr/>
-              <a:t>3/14/2018</a:t>
+              <a:t>14-Mar-18</a:t>
             </a:fld>
             <a:endParaRPr lang="en-US" dirty="0"/>
           </a:p>
@@ -7250,7 +7254,7 @@
                   <a:schemeClr val="tx1"/>
                 </a:solidFill>
               </a:rPr>
-              <a:t>The Hill Cipher uses Linear Algebra, and in it requires the user to have at least a basic understanding of matrices. It also make use of Modulo Arithmetic. Hill cipher has a significantly more mathematical nature many other basic ciphers. Because of this it allows it to act easily on larger blocks of letters.</a:t>
+              <a:t>The Hill Cipher uses Linear Algebra, and in it requires the user to have at least a basic understanding of matrices. It also make use of Modulo Arithmetic. Hill cipher has a significantly more mathematical nature than many other basic ciphers. Because of this, it allows it to act easily on larger blocks of letters.</a:t>
             </a:r>
           </a:p>
         </p:txBody>

--- a/CST407FinalPP.pptx
+++ b/CST407FinalPP.pptx
@@ -21,7 +21,8 @@
     <p:sldId id="272" r:id="rId15"/>
     <p:sldId id="267" r:id="rId16"/>
     <p:sldId id="268" r:id="rId17"/>
-    <p:sldId id="269" r:id="rId18"/>
+    <p:sldId id="273" r:id="rId18"/>
+    <p:sldId id="269" r:id="rId19"/>
   </p:sldIdLst>
   <p:sldSz cx="12192000" cy="6858000"/>
   <p:notesSz cx="6858000" cy="9144000"/>
@@ -6725,6 +6726,357 @@
           <a:p>
             <a:r>
               <a:rPr lang="en-US" dirty="0"/>
+              <a:t>Pros: </a:t>
+            </a:r>
+          </a:p>
+        </p:txBody>
+      </p:sp>
+      <p:sp>
+        <p:nvSpPr>
+          <p:cNvPr id="3" name="Content Placeholder 2">
+            <a:extLst>
+              <a:ext uri="{FF2B5EF4-FFF2-40B4-BE49-F238E27FC236}">
+                <a16:creationId xmlns:a16="http://schemas.microsoft.com/office/drawing/2014/main" id="{8CC66705-E4F8-4E0B-B037-AEC60EE36AC8}"/>
+              </a:ext>
+            </a:extLst>
+          </p:cNvPr>
+          <p:cNvSpPr>
+            <a:spLocks noGrp="1"/>
+          </p:cNvSpPr>
+          <p:nvPr>
+            <p:ph idx="1"/>
+          </p:nvPr>
+        </p:nvSpPr>
+        <p:spPr>
+          <a:xfrm flipH="1">
+            <a:off x="10535683" y="2296486"/>
+            <a:ext cx="168669" cy="438150"/>
+          </a:xfrm>
+        </p:spPr>
+        <p:txBody>
+          <a:bodyPr/>
+          <a:lstStyle/>
+          <a:p>
+            <a:endParaRPr lang="en-US" dirty="0">
+              <a:solidFill>
+                <a:schemeClr val="tx1"/>
+              </a:solidFill>
+            </a:endParaRPr>
+          </a:p>
+        </p:txBody>
+      </p:sp>
+      <p:sp>
+        <p:nvSpPr>
+          <p:cNvPr id="5" name="Rectangle 4">
+            <a:extLst>
+              <a:ext uri="{FF2B5EF4-FFF2-40B4-BE49-F238E27FC236}">
+                <a16:creationId xmlns:a16="http://schemas.microsoft.com/office/drawing/2014/main" id="{572F093F-8E03-4202-B5ED-78611966C9ED}"/>
+              </a:ext>
+            </a:extLst>
+          </p:cNvPr>
+          <p:cNvSpPr/>
+          <p:nvPr/>
+        </p:nvSpPr>
+        <p:spPr>
+          <a:xfrm>
+            <a:off x="672138" y="1680372"/>
+            <a:ext cx="8321509" cy="1477328"/>
+          </a:xfrm>
+          <a:prstGeom prst="rect">
+            <a:avLst/>
+          </a:prstGeom>
+        </p:spPr>
+        <p:txBody>
+          <a:bodyPr wrap="none">
+            <a:spAutoFit/>
+          </a:bodyPr>
+          <a:lstStyle/>
+          <a:p>
+            <a:pPr marL="285750" indent="-285750">
+              <a:buFont typeface="Arial" panose="020B0604020202020204" pitchFamily="34" charset="0"/>
+              <a:buChar char="•"/>
+            </a:pPr>
+            <a:r>
+              <a:rPr lang="en-US" dirty="0"/>
+              <a:t>More </a:t>
+            </a:r>
+            <a:r>
+              <a:rPr lang="en-US"/>
+              <a:t>complicated than shift ciphers </a:t>
+            </a:r>
+            <a:r>
+              <a:rPr lang="en-US" dirty="0"/>
+              <a:t>like Caesar</a:t>
+            </a:r>
+          </a:p>
+          <a:p>
+            <a:pPr marL="285750" indent="-285750">
+              <a:buFont typeface="Arial" panose="020B0604020202020204" pitchFamily="34" charset="0"/>
+              <a:buChar char="•"/>
+            </a:pPr>
+            <a:endParaRPr lang="en-US" dirty="0"/>
+          </a:p>
+          <a:p>
+            <a:pPr marL="285750" indent="-285750">
+              <a:buFont typeface="Arial" panose="020B0604020202020204" pitchFamily="34" charset="0"/>
+              <a:buChar char="•"/>
+            </a:pPr>
+            <a:r>
+              <a:rPr lang="en-US" dirty="0"/>
+              <a:t>Can easily be combined with non-linear operations for added security</a:t>
+            </a:r>
+          </a:p>
+          <a:p>
+            <a:pPr marL="285750" indent="-285750">
+              <a:buFont typeface="Arial" panose="020B0604020202020204" pitchFamily="34" charset="0"/>
+              <a:buChar char="•"/>
+            </a:pPr>
+            <a:endParaRPr lang="en-US" dirty="0"/>
+          </a:p>
+          <a:p>
+            <a:pPr marL="285750" indent="-285750">
+              <a:buFont typeface="Arial" panose="020B0604020202020204" pitchFamily="34" charset="0"/>
+              <a:buChar char="•"/>
+            </a:pPr>
+            <a:r>
+              <a:rPr lang="en-US" dirty="0"/>
+              <a:t>Ability to calculate by hand</a:t>
+            </a:r>
+          </a:p>
+        </p:txBody>
+      </p:sp>
+      <p:sp>
+        <p:nvSpPr>
+          <p:cNvPr id="9" name="Title 1">
+            <a:extLst>
+              <a:ext uri="{FF2B5EF4-FFF2-40B4-BE49-F238E27FC236}">
+                <a16:creationId xmlns:a16="http://schemas.microsoft.com/office/drawing/2014/main" id="{EF985F7D-57E4-42F7-BE0A-D3D326844B87}"/>
+              </a:ext>
+            </a:extLst>
+          </p:cNvPr>
+          <p:cNvSpPr txBox="1">
+            <a:spLocks/>
+          </p:cNvSpPr>
+          <p:nvPr/>
+        </p:nvSpPr>
+        <p:spPr>
+          <a:xfrm>
+            <a:off x="630725" y="3504349"/>
+            <a:ext cx="8534400" cy="1507067"/>
+          </a:xfrm>
+          <a:prstGeom prst="rect">
+            <a:avLst/>
+          </a:prstGeom>
+          <a:effectLst/>
+        </p:spPr>
+        <p:txBody>
+          <a:bodyPr vert="horz" lIns="91440" tIns="45720" rIns="91440" bIns="45720" rtlCol="0" anchor="ctr">
+            <a:normAutofit/>
+          </a:bodyPr>
+          <a:lstStyle>
+            <a:lvl1pPr algn="l" defTabSz="457200" rtl="0" eaLnBrk="1" latinLnBrk="0" hangingPunct="1">
+              <a:spcBef>
+                <a:spcPct val="0"/>
+              </a:spcBef>
+              <a:buNone/>
+              <a:defRPr sz="3600" kern="1200" cap="all">
+                <a:ln w="3175" cmpd="sng">
+                  <a:noFill/>
+                </a:ln>
+                <a:solidFill>
+                  <a:schemeClr val="tx1"/>
+                </a:solidFill>
+                <a:effectLst/>
+                <a:latin typeface="+mj-lt"/>
+                <a:ea typeface="+mj-ea"/>
+                <a:cs typeface="+mj-cs"/>
+              </a:defRPr>
+            </a:lvl1pPr>
+            <a:lvl2pPr eaLnBrk="1" hangingPunct="1">
+              <a:defRPr>
+                <a:solidFill>
+                  <a:schemeClr val="tx2"/>
+                </a:solidFill>
+              </a:defRPr>
+            </a:lvl2pPr>
+            <a:lvl3pPr eaLnBrk="1" hangingPunct="1">
+              <a:defRPr>
+                <a:solidFill>
+                  <a:schemeClr val="tx2"/>
+                </a:solidFill>
+              </a:defRPr>
+            </a:lvl3pPr>
+            <a:lvl4pPr eaLnBrk="1" hangingPunct="1">
+              <a:defRPr>
+                <a:solidFill>
+                  <a:schemeClr val="tx2"/>
+                </a:solidFill>
+              </a:defRPr>
+            </a:lvl4pPr>
+            <a:lvl5pPr eaLnBrk="1" hangingPunct="1">
+              <a:defRPr>
+                <a:solidFill>
+                  <a:schemeClr val="tx2"/>
+                </a:solidFill>
+              </a:defRPr>
+            </a:lvl5pPr>
+            <a:lvl6pPr eaLnBrk="1" hangingPunct="1">
+              <a:defRPr>
+                <a:solidFill>
+                  <a:schemeClr val="tx2"/>
+                </a:solidFill>
+              </a:defRPr>
+            </a:lvl6pPr>
+            <a:lvl7pPr eaLnBrk="1" hangingPunct="1">
+              <a:defRPr>
+                <a:solidFill>
+                  <a:schemeClr val="tx2"/>
+                </a:solidFill>
+              </a:defRPr>
+            </a:lvl7pPr>
+            <a:lvl8pPr eaLnBrk="1" hangingPunct="1">
+              <a:defRPr>
+                <a:solidFill>
+                  <a:schemeClr val="tx2"/>
+                </a:solidFill>
+              </a:defRPr>
+            </a:lvl8pPr>
+            <a:lvl9pPr eaLnBrk="1" hangingPunct="1">
+              <a:defRPr>
+                <a:solidFill>
+                  <a:schemeClr val="tx2"/>
+                </a:solidFill>
+              </a:defRPr>
+            </a:lvl9pPr>
+          </a:lstStyle>
+          <a:p>
+            <a:r>
+              <a:rPr lang="en-US" dirty="0"/>
+              <a:t>Cons: </a:t>
+            </a:r>
+          </a:p>
+        </p:txBody>
+      </p:sp>
+      <p:sp>
+        <p:nvSpPr>
+          <p:cNvPr id="10" name="Rectangle 9">
+            <a:extLst>
+              <a:ext uri="{FF2B5EF4-FFF2-40B4-BE49-F238E27FC236}">
+                <a16:creationId xmlns:a16="http://schemas.microsoft.com/office/drawing/2014/main" id="{1183934D-D7C3-4268-96F0-0B182213104D}"/>
+              </a:ext>
+            </a:extLst>
+          </p:cNvPr>
+          <p:cNvSpPr/>
+          <p:nvPr/>
+        </p:nvSpPr>
+        <p:spPr>
+          <a:xfrm>
+            <a:off x="672138" y="4854269"/>
+            <a:ext cx="9190336" cy="1200329"/>
+          </a:xfrm>
+          <a:prstGeom prst="rect">
+            <a:avLst/>
+          </a:prstGeom>
+        </p:spPr>
+        <p:txBody>
+          <a:bodyPr wrap="none">
+            <a:spAutoFit/>
+          </a:bodyPr>
+          <a:lstStyle/>
+          <a:p>
+            <a:pPr marL="285750" indent="-285750">
+              <a:buFont typeface="Arial" panose="020B0604020202020204" pitchFamily="34" charset="0"/>
+              <a:buChar char="•"/>
+            </a:pPr>
+            <a:r>
+              <a:rPr lang="en-US" dirty="0"/>
+              <a:t>Fairly simple to crack with known-plaintext attack due to linearity</a:t>
+            </a:r>
+          </a:p>
+          <a:p>
+            <a:pPr marL="285750" indent="-285750">
+              <a:buFont typeface="Arial" panose="020B0604020202020204" pitchFamily="34" charset="0"/>
+              <a:buChar char="•"/>
+            </a:pPr>
+            <a:endParaRPr lang="en-US" dirty="0"/>
+          </a:p>
+          <a:p>
+            <a:pPr marL="285750" indent="-285750">
+              <a:buFont typeface="Arial" panose="020B0604020202020204" pitchFamily="34" charset="0"/>
+              <a:buChar char="•"/>
+            </a:pPr>
+            <a:r>
+              <a:rPr lang="en-US" dirty="0"/>
+              <a:t>Becomes increasingly difficult to cipher by hand with increased key matrix size</a:t>
+            </a:r>
+          </a:p>
+          <a:p>
+            <a:pPr marL="285750" indent="-285750">
+              <a:buFont typeface="Arial" panose="020B0604020202020204" pitchFamily="34" charset="0"/>
+              <a:buChar char="•"/>
+            </a:pPr>
+            <a:endParaRPr lang="en-US" dirty="0"/>
+          </a:p>
+        </p:txBody>
+      </p:sp>
+    </p:spTree>
+    <p:extLst>
+      <p:ext uri="{BB962C8B-B14F-4D97-AF65-F5344CB8AC3E}">
+        <p14:creationId xmlns:p14="http://schemas.microsoft.com/office/powerpoint/2010/main" val="1520556357"/>
+      </p:ext>
+    </p:extLst>
+  </p:cSld>
+  <p:clrMapOvr>
+    <a:masterClrMapping/>
+  </p:clrMapOvr>
+</p:sld>
+</file>
+
+<file path=ppt/slides/slide18.xml><?xml version="1.0" encoding="utf-8"?>
+<p:sld xmlns:a="http://schemas.openxmlformats.org/drawingml/2006/main" xmlns:r="http://schemas.openxmlformats.org/officeDocument/2006/relationships" xmlns:p="http://schemas.openxmlformats.org/presentationml/2006/main">
+  <p:cSld>
+    <p:spTree>
+      <p:nvGrpSpPr>
+        <p:cNvPr id="1" name=""/>
+        <p:cNvGrpSpPr/>
+        <p:nvPr/>
+      </p:nvGrpSpPr>
+      <p:grpSpPr>
+        <a:xfrm>
+          <a:off x="0" y="0"/>
+          <a:ext cx="0" cy="0"/>
+          <a:chOff x="0" y="0"/>
+          <a:chExt cx="0" cy="0"/>
+        </a:xfrm>
+      </p:grpSpPr>
+      <p:sp>
+        <p:nvSpPr>
+          <p:cNvPr id="2" name="Title 1">
+            <a:extLst>
+              <a:ext uri="{FF2B5EF4-FFF2-40B4-BE49-F238E27FC236}">
+                <a16:creationId xmlns:a16="http://schemas.microsoft.com/office/drawing/2014/main" id="{92FEDAC6-30AD-442E-92FA-CBE4C9F49253}"/>
+              </a:ext>
+            </a:extLst>
+          </p:cNvPr>
+          <p:cNvSpPr>
+            <a:spLocks noGrp="1"/>
+          </p:cNvSpPr>
+          <p:nvPr>
+            <p:ph type="title"/>
+          </p:nvPr>
+        </p:nvSpPr>
+        <p:spPr>
+          <a:xfrm>
+            <a:off x="672138" y="527728"/>
+            <a:ext cx="8534400" cy="1507067"/>
+          </a:xfrm>
+        </p:spPr>
+        <p:txBody>
+          <a:bodyPr/>
+          <a:lstStyle/>
+          <a:p>
+            <a:r>
+              <a:rPr lang="en-US" dirty="0"/>
               <a:t>Questions?</a:t>
             </a:r>
           </a:p>
